--- a/images/survival-kit/websocket-basics.pptx
+++ b/images/survival-kit/websocket-basics.pptx
@@ -104,6 +104,11 @@
       </a:defRPr>
     </a:lvl9pPr>
   </p:defaultTextStyle>
+  <p:extLst>
+    <p:ext uri="{EFAFB233-063F-42B5-8137-9DF3F51BA10A}">
+      <p15:sldGuideLst xmlns:p15="http://schemas.microsoft.com/office/powerpoint/2012/main"/>
+    </p:ext>
+  </p:extLst>
 </p:presentation>
 </file>
 
@@ -256,7 +261,7 @@
           <a:p>
             <a:fld id="{C2346BB2-DC74-5743-891D-D751E1554A51}" type="datetimeFigureOut">
               <a:rPr lang="en-CH" smtClean="0"/>
-              <a:t>27.02.21</a:t>
+              <a:t>03.03.21</a:t>
             </a:fld>
             <a:endParaRPr lang="en-CH"/>
           </a:p>
@@ -456,7 +461,7 @@
           <a:p>
             <a:fld id="{C2346BB2-DC74-5743-891D-D751E1554A51}" type="datetimeFigureOut">
               <a:rPr lang="en-CH" smtClean="0"/>
-              <a:t>27.02.21</a:t>
+              <a:t>03.03.21</a:t>
             </a:fld>
             <a:endParaRPr lang="en-CH"/>
           </a:p>
@@ -666,7 +671,7 @@
           <a:p>
             <a:fld id="{C2346BB2-DC74-5743-891D-D751E1554A51}" type="datetimeFigureOut">
               <a:rPr lang="en-CH" smtClean="0"/>
-              <a:t>27.02.21</a:t>
+              <a:t>03.03.21</a:t>
             </a:fld>
             <a:endParaRPr lang="en-CH"/>
           </a:p>
@@ -866,7 +871,7 @@
           <a:p>
             <a:fld id="{C2346BB2-DC74-5743-891D-D751E1554A51}" type="datetimeFigureOut">
               <a:rPr lang="en-CH" smtClean="0"/>
-              <a:t>27.02.21</a:t>
+              <a:t>03.03.21</a:t>
             </a:fld>
             <a:endParaRPr lang="en-CH"/>
           </a:p>
@@ -1142,7 +1147,7 @@
           <a:p>
             <a:fld id="{C2346BB2-DC74-5743-891D-D751E1554A51}" type="datetimeFigureOut">
               <a:rPr lang="en-CH" smtClean="0"/>
-              <a:t>27.02.21</a:t>
+              <a:t>03.03.21</a:t>
             </a:fld>
             <a:endParaRPr lang="en-CH"/>
           </a:p>
@@ -1410,7 +1415,7 @@
           <a:p>
             <a:fld id="{C2346BB2-DC74-5743-891D-D751E1554A51}" type="datetimeFigureOut">
               <a:rPr lang="en-CH" smtClean="0"/>
-              <a:t>27.02.21</a:t>
+              <a:t>03.03.21</a:t>
             </a:fld>
             <a:endParaRPr lang="en-CH"/>
           </a:p>
@@ -1825,7 +1830,7 @@
           <a:p>
             <a:fld id="{C2346BB2-DC74-5743-891D-D751E1554A51}" type="datetimeFigureOut">
               <a:rPr lang="en-CH" smtClean="0"/>
-              <a:t>27.02.21</a:t>
+              <a:t>03.03.21</a:t>
             </a:fld>
             <a:endParaRPr lang="en-CH"/>
           </a:p>
@@ -1967,7 +1972,7 @@
           <a:p>
             <a:fld id="{C2346BB2-DC74-5743-891D-D751E1554A51}" type="datetimeFigureOut">
               <a:rPr lang="en-CH" smtClean="0"/>
-              <a:t>27.02.21</a:t>
+              <a:t>03.03.21</a:t>
             </a:fld>
             <a:endParaRPr lang="en-CH"/>
           </a:p>
@@ -2080,7 +2085,7 @@
           <a:p>
             <a:fld id="{C2346BB2-DC74-5743-891D-D751E1554A51}" type="datetimeFigureOut">
               <a:rPr lang="en-CH" smtClean="0"/>
-              <a:t>27.02.21</a:t>
+              <a:t>03.03.21</a:t>
             </a:fld>
             <a:endParaRPr lang="en-CH"/>
           </a:p>
@@ -2393,7 +2398,7 @@
           <a:p>
             <a:fld id="{C2346BB2-DC74-5743-891D-D751E1554A51}" type="datetimeFigureOut">
               <a:rPr lang="en-CH" smtClean="0"/>
-              <a:t>27.02.21</a:t>
+              <a:t>03.03.21</a:t>
             </a:fld>
             <a:endParaRPr lang="en-CH"/>
           </a:p>
@@ -2682,7 +2687,7 @@
           <a:p>
             <a:fld id="{C2346BB2-DC74-5743-891D-D751E1554A51}" type="datetimeFigureOut">
               <a:rPr lang="en-CH" smtClean="0"/>
-              <a:t>27.02.21</a:t>
+              <a:t>03.03.21</a:t>
             </a:fld>
             <a:endParaRPr lang="en-CH"/>
           </a:p>
@@ -2925,7 +2930,7 @@
           <a:p>
             <a:fld id="{C2346BB2-DC74-5743-891D-D751E1554A51}" type="datetimeFigureOut">
               <a:rPr lang="en-CH" smtClean="0"/>
-              <a:t>27.02.21</a:t>
+              <a:t>03.03.21</a:t>
             </a:fld>
             <a:endParaRPr lang="en-CH"/>
           </a:p>
@@ -3356,7 +3361,7 @@
         </p:nvSpPr>
         <p:spPr>
           <a:xfrm>
-            <a:off x="43209" y="711198"/>
+            <a:off x="7315161" y="816648"/>
             <a:ext cx="4750265" cy="5454869"/>
           </a:xfrm>
           <a:prstGeom prst="rect">
@@ -3408,7 +3413,7 @@
         </p:nvSpPr>
         <p:spPr>
           <a:xfrm>
-            <a:off x="1595872" y="290228"/>
+            <a:off x="8867824" y="395678"/>
             <a:ext cx="1644937" cy="369332"/>
           </a:xfrm>
           <a:prstGeom prst="rect">
@@ -3444,7 +3449,7 @@
         </p:nvSpPr>
         <p:spPr>
           <a:xfrm>
-            <a:off x="397781" y="3029528"/>
+            <a:off x="7669733" y="3134978"/>
             <a:ext cx="2275254" cy="2626295"/>
           </a:xfrm>
           <a:prstGeom prst="rect">
@@ -3496,7 +3501,7 @@
         </p:nvSpPr>
         <p:spPr>
           <a:xfrm>
-            <a:off x="457364" y="3196448"/>
+            <a:off x="7729316" y="3301898"/>
             <a:ext cx="2215671" cy="2585323"/>
           </a:xfrm>
           <a:prstGeom prst="rect">
@@ -3583,8 +3588,8 @@
         </p:nvSpPr>
         <p:spPr>
           <a:xfrm>
-            <a:off x="184341" y="2558990"/>
-            <a:ext cx="3588663" cy="369332"/>
+            <a:off x="7544307" y="2664440"/>
+            <a:ext cx="2738585" cy="369332"/>
           </a:xfrm>
           <a:prstGeom prst="rect">
             <a:avLst/>
@@ -3599,13 +3604,8 @@
           <a:p>
             <a:r>
               <a:rPr lang="en-CH" dirty="0"/>
-              <a:t>Server ws events manager ({httpuv}</a:t>
-            </a:r>
-            <a:r>
-              <a:rPr lang="en-CH" baseline="30000" dirty="0"/>
-              <a:t>*</a:t>
-            </a:r>
-            <a:endParaRPr lang="en-CH" dirty="0"/>
+              <a:t>Server ws events manager</a:t>
+            </a:r>
           </a:p>
         </p:txBody>
       </p:sp>
@@ -3623,7 +3623,7 @@
         </p:nvSpPr>
         <p:spPr>
           <a:xfrm>
-            <a:off x="8756382" y="-14857"/>
+            <a:off x="164217" y="26346"/>
             <a:ext cx="2194703" cy="369332"/>
           </a:xfrm>
           <a:prstGeom prst="rect">
@@ -3667,18 +3667,20 @@
           <p:nvPr/>
         </p:nvCxnSpPr>
         <p:spPr>
-          <a:xfrm flipH="1">
-            <a:off x="5662431" y="1917904"/>
-            <a:ext cx="1758336" cy="0"/>
+          <a:xfrm>
+            <a:off x="3972181" y="2050650"/>
+            <a:ext cx="1730016" cy="0"/>
           </a:xfrm>
           <a:prstGeom prst="straightConnector1">
             <a:avLst/>
           </a:prstGeom>
           <a:ln w="50800">
             <a:solidFill>
-              <a:srgbClr val="FF0000"/>
+              <a:schemeClr val="bg1">
+                <a:lumMod val="65000"/>
+              </a:schemeClr>
             </a:solidFill>
-            <a:prstDash val="dash"/>
+            <a:prstDash val="solid"/>
             <a:tailEnd type="triangle"/>
           </a:ln>
         </p:spPr>
@@ -3712,18 +3714,20 @@
           <p:nvPr/>
         </p:nvCxnSpPr>
         <p:spPr>
-          <a:xfrm>
-            <a:off x="5737065" y="2496929"/>
-            <a:ext cx="1730016" cy="0"/>
+          <a:xfrm flipH="1">
+            <a:off x="3927988" y="2657724"/>
+            <a:ext cx="1774209" cy="0"/>
           </a:xfrm>
           <a:prstGeom prst="straightConnector1">
             <a:avLst/>
           </a:prstGeom>
           <a:ln w="50800">
             <a:solidFill>
-              <a:srgbClr val="FF0000"/>
+              <a:schemeClr val="bg1">
+                <a:lumMod val="65000"/>
+              </a:schemeClr>
             </a:solidFill>
-            <a:prstDash val="dash"/>
+            <a:prstDash val="solid"/>
             <a:tailEnd type="triangle"/>
           </a:ln>
         </p:spPr>
@@ -3756,7 +3760,7 @@
         </p:nvSpPr>
         <p:spPr>
           <a:xfrm>
-            <a:off x="5496776" y="1999827"/>
+            <a:off x="3731892" y="2198439"/>
             <a:ext cx="2521687" cy="338554"/>
           </a:xfrm>
           <a:prstGeom prst="rect">
@@ -3795,7 +3799,7 @@
         </p:nvSpPr>
         <p:spPr>
           <a:xfrm>
-            <a:off x="5575007" y="1414298"/>
+            <a:off x="3810123" y="1612910"/>
             <a:ext cx="2181175" cy="369332"/>
           </a:xfrm>
           <a:prstGeom prst="rect">
@@ -3834,7 +3838,7 @@
         </p:nvSpPr>
         <p:spPr>
           <a:xfrm>
-            <a:off x="5590031" y="2548101"/>
+            <a:off x="3825147" y="2746713"/>
             <a:ext cx="2240870" cy="369332"/>
           </a:xfrm>
           <a:prstGeom prst="rect">
@@ -3873,7 +3877,7 @@
         </p:nvSpPr>
         <p:spPr>
           <a:xfrm>
-            <a:off x="5496776" y="1318686"/>
+            <a:off x="3731892" y="1517298"/>
             <a:ext cx="2277853" cy="1678679"/>
           </a:xfrm>
           <a:prstGeom prst="rect">
@@ -3926,7 +3930,7 @@
         </p:nvSpPr>
         <p:spPr>
           <a:xfrm>
-            <a:off x="5424474" y="3347885"/>
+            <a:off x="3659590" y="3546497"/>
             <a:ext cx="2523063" cy="338554"/>
           </a:xfrm>
           <a:prstGeom prst="rect">
@@ -3960,8 +3964,8 @@
         </p:nvSpPr>
         <p:spPr>
           <a:xfrm>
-            <a:off x="8915130" y="784455"/>
-            <a:ext cx="1797287" cy="2585323"/>
+            <a:off x="322965" y="825658"/>
+            <a:ext cx="1877510" cy="2862322"/>
           </a:xfrm>
           <a:prstGeom prst="rect">
             <a:avLst/>
@@ -3997,7 +4001,7 @@
           <a:p>
             <a:r>
               <a:rPr lang="en-CH" b="1" dirty="0"/>
-              <a:t> // do something</a:t>
+              <a:t> // received from server</a:t>
             </a:r>
           </a:p>
           <a:p>
@@ -4038,8 +4042,8 @@
         </p:nvSpPr>
         <p:spPr>
           <a:xfrm>
-            <a:off x="8833188" y="711198"/>
-            <a:ext cx="2083279" cy="2524717"/>
+            <a:off x="206407" y="752401"/>
+            <a:ext cx="2218265" cy="2676599"/>
           </a:xfrm>
           <a:prstGeom prst="rect">
             <a:avLst/>
@@ -4092,7 +4096,7 @@
         </p:nvCxnSpPr>
         <p:spPr>
           <a:xfrm flipH="1">
-            <a:off x="5662431" y="4650730"/>
+            <a:off x="3897547" y="4849342"/>
             <a:ext cx="1758336" cy="0"/>
           </a:xfrm>
           <a:prstGeom prst="straightConnector1">
@@ -4137,7 +4141,7 @@
         </p:nvCxnSpPr>
         <p:spPr>
           <a:xfrm>
-            <a:off x="5737065" y="5229755"/>
+            <a:off x="3972181" y="5428367"/>
             <a:ext cx="1730016" cy="0"/>
           </a:xfrm>
           <a:prstGeom prst="straightConnector1">
@@ -4180,7 +4184,7 @@
         </p:nvSpPr>
         <p:spPr>
           <a:xfrm>
-            <a:off x="5496776" y="4051512"/>
+            <a:off x="3731892" y="4250124"/>
             <a:ext cx="2277853" cy="1678679"/>
           </a:xfrm>
           <a:prstGeom prst="rect">
@@ -4233,7 +4237,7 @@
         </p:nvSpPr>
         <p:spPr>
           <a:xfrm>
-            <a:off x="8721765" y="3713892"/>
+            <a:off x="129600" y="3755095"/>
             <a:ext cx="2194703" cy="369332"/>
           </a:xfrm>
           <a:prstGeom prst="rect">
@@ -4276,7 +4280,7 @@
         </p:nvSpPr>
         <p:spPr>
           <a:xfrm>
-            <a:off x="8798572" y="4134862"/>
+            <a:off x="206407" y="4176065"/>
             <a:ext cx="1879228" cy="2524717"/>
           </a:xfrm>
           <a:prstGeom prst="rect">
@@ -4328,7 +4332,7 @@
         </p:nvSpPr>
         <p:spPr>
           <a:xfrm>
-            <a:off x="8718739" y="290228"/>
+            <a:off x="126574" y="331431"/>
             <a:ext cx="3588663" cy="369332"/>
           </a:xfrm>
           <a:prstGeom prst="rect">
@@ -4344,13 +4348,8 @@
           <a:p>
             <a:r>
               <a:rPr lang="en-CH" dirty="0"/>
-              <a:t>Client ws events manager ({httpuv}</a:t>
-            </a:r>
-            <a:r>
-              <a:rPr lang="en-CH" baseline="30000" dirty="0"/>
-              <a:t>*</a:t>
-            </a:r>
-            <a:endParaRPr lang="en-CH" dirty="0"/>
+              <a:t>Client ws events manager ({httpuv})</a:t>
+            </a:r>
           </a:p>
         </p:txBody>
       </p:sp>
@@ -4369,18 +4368,20 @@
           <p:nvPr/>
         </p:nvCxnSpPr>
         <p:spPr>
-          <a:xfrm flipH="1">
-            <a:off x="2790221" y="1917904"/>
-            <a:ext cx="2634253" cy="2042928"/>
+          <a:xfrm>
+            <a:off x="6168191" y="2050650"/>
+            <a:ext cx="1439993" cy="2003945"/>
           </a:xfrm>
           <a:prstGeom prst="straightConnector1">
             <a:avLst/>
           </a:prstGeom>
           <a:ln w="50800">
             <a:solidFill>
-              <a:srgbClr val="FF0000"/>
+              <a:schemeClr val="bg1">
+                <a:lumMod val="65000"/>
+              </a:schemeClr>
             </a:solidFill>
-            <a:prstDash val="dash"/>
+            <a:prstDash val="solid"/>
             <a:tailEnd type="triangle"/>
           </a:ln>
         </p:spPr>
@@ -4414,18 +4415,20 @@
           <p:nvPr/>
         </p:nvCxnSpPr>
         <p:spPr>
-          <a:xfrm flipV="1">
-            <a:off x="2732618" y="2558991"/>
-            <a:ext cx="2691856" cy="2091739"/>
+          <a:xfrm flipH="1" flipV="1">
+            <a:off x="6067313" y="2624721"/>
+            <a:ext cx="1160359" cy="1618580"/>
           </a:xfrm>
           <a:prstGeom prst="straightConnector1">
             <a:avLst/>
           </a:prstGeom>
           <a:ln w="50800">
             <a:solidFill>
-              <a:srgbClr val="FF0000"/>
+              <a:schemeClr val="bg1">
+                <a:lumMod val="65000"/>
+              </a:schemeClr>
             </a:solidFill>
-            <a:prstDash val="dash"/>
+            <a:prstDash val="solid"/>
             <a:tailEnd type="triangle"/>
           </a:ln>
         </p:spPr>
@@ -4459,18 +4462,20 @@
           <p:nvPr/>
         </p:nvCxnSpPr>
         <p:spPr>
-          <a:xfrm flipV="1">
-            <a:off x="7856570" y="2186728"/>
-            <a:ext cx="854510" cy="1"/>
+          <a:xfrm flipH="1" flipV="1">
+            <a:off x="2525550" y="2198439"/>
+            <a:ext cx="1047897" cy="439730"/>
           </a:xfrm>
           <a:prstGeom prst="straightConnector1">
             <a:avLst/>
           </a:prstGeom>
           <a:ln w="50800">
             <a:solidFill>
-              <a:srgbClr val="FF0000"/>
+              <a:schemeClr val="bg1">
+                <a:lumMod val="65000"/>
+              </a:schemeClr>
             </a:solidFill>
-            <a:prstDash val="dash"/>
+            <a:prstDash val="solid"/>
             <a:tailEnd type="triangle"/>
           </a:ln>
         </p:spPr>
@@ -4503,7 +4508,7 @@
         </p:nvSpPr>
         <p:spPr>
           <a:xfrm>
-            <a:off x="457364" y="3960832"/>
+            <a:off x="7729316" y="4066282"/>
             <a:ext cx="2128182" cy="771821"/>
           </a:xfrm>
           <a:prstGeom prst="rect">
@@ -4512,7 +4517,9 @@
           <a:noFill/>
           <a:ln w="63500">
             <a:solidFill>
-              <a:srgbClr val="FF0000"/>
+              <a:schemeClr val="bg1">
+                <a:lumMod val="65000"/>
+              </a:schemeClr>
             </a:solidFill>
             <a:prstDash val="sysDash"/>
           </a:ln>
@@ -4556,8 +4563,8 @@
         </p:nvSpPr>
         <p:spPr>
           <a:xfrm>
-            <a:off x="8915130" y="1566560"/>
-            <a:ext cx="1914351" cy="771821"/>
+            <a:off x="322965" y="1607763"/>
+            <a:ext cx="1914351" cy="929230"/>
           </a:xfrm>
           <a:prstGeom prst="rect">
             <a:avLst/>
@@ -4565,7 +4572,9 @@
           <a:noFill/>
           <a:ln w="63500">
             <a:solidFill>
-              <a:srgbClr val="FF0000"/>
+              <a:schemeClr val="bg1">
+                <a:lumMod val="65000"/>
+              </a:schemeClr>
             </a:solidFill>
             <a:prstDash val="sysDash"/>
           </a:ln>
@@ -4609,7 +4618,7 @@
         </p:nvSpPr>
         <p:spPr>
           <a:xfrm>
-            <a:off x="5575007" y="4152688"/>
+            <a:off x="3810123" y="4351300"/>
             <a:ext cx="2181175" cy="369332"/>
           </a:xfrm>
           <a:prstGeom prst="rect">
@@ -4648,7 +4657,7 @@
         </p:nvSpPr>
         <p:spPr>
           <a:xfrm>
-            <a:off x="5590031" y="5286491"/>
+            <a:off x="3825147" y="5485103"/>
             <a:ext cx="2240870" cy="369332"/>
           </a:xfrm>
           <a:prstGeom prst="rect">
@@ -4687,7 +4696,7 @@
         </p:nvSpPr>
         <p:spPr>
           <a:xfrm>
-            <a:off x="6453328" y="859154"/>
+            <a:off x="4688444" y="1057766"/>
             <a:ext cx="675503" cy="369332"/>
           </a:xfrm>
           <a:prstGeom prst="rect">
@@ -4704,7 +4713,9 @@
             <a:r>
               <a:rPr lang="en-CH" b="1" dirty="0">
                 <a:solidFill>
-                  <a:srgbClr val="FF0000"/>
+                  <a:schemeClr val="bg1">
+                    <a:lumMod val="65000"/>
+                  </a:schemeClr>
                 </a:solidFill>
               </a:rPr>
               <a:t>(1)</a:t>
@@ -4726,7 +4737,7 @@
         </p:nvSpPr>
         <p:spPr>
           <a:xfrm>
-            <a:off x="1882895" y="3993196"/>
+            <a:off x="9154847" y="4098646"/>
             <a:ext cx="526673" cy="369332"/>
           </a:xfrm>
           <a:prstGeom prst="rect">
@@ -4743,7 +4754,9 @@
             <a:r>
               <a:rPr lang="en-CH" b="1" dirty="0">
                 <a:solidFill>
-                  <a:srgbClr val="FF0000"/>
+                  <a:schemeClr val="bg1">
+                    <a:lumMod val="65000"/>
+                  </a:schemeClr>
                 </a:solidFill>
               </a:rPr>
               <a:t>(2)</a:t>
@@ -4765,7 +4778,7 @@
         </p:nvSpPr>
         <p:spPr>
           <a:xfrm>
-            <a:off x="4098566" y="3686439"/>
+            <a:off x="6384155" y="3685263"/>
             <a:ext cx="526673" cy="369332"/>
           </a:xfrm>
           <a:prstGeom prst="rect">
@@ -4782,7 +4795,9 @@
             <a:r>
               <a:rPr lang="en-CH" b="1" dirty="0">
                 <a:solidFill>
-                  <a:srgbClr val="FF0000"/>
+                  <a:schemeClr val="bg1">
+                    <a:lumMod val="65000"/>
+                  </a:schemeClr>
                 </a:solidFill>
               </a:rPr>
               <a:t>(3)</a:t>
@@ -4804,7 +4819,7 @@
         </p:nvSpPr>
         <p:spPr>
           <a:xfrm>
-            <a:off x="8092603" y="1733238"/>
+            <a:off x="2732220" y="2615633"/>
             <a:ext cx="526673" cy="369332"/>
           </a:xfrm>
           <a:prstGeom prst="rect">
@@ -4821,7 +4836,9 @@
             <a:r>
               <a:rPr lang="en-CH" b="1" dirty="0">
                 <a:solidFill>
-                  <a:srgbClr val="FF0000"/>
+                  <a:schemeClr val="bg1">
+                    <a:lumMod val="65000"/>
+                  </a:schemeClr>
                 </a:solidFill>
               </a:rPr>
               <a:t>(4)</a:t>
